--- a/Time-series_forecasting/20220331_LightGBM.pptx
+++ b/Time-series_forecasting/20220331_LightGBM.pptx
@@ -2304,7 +2304,7 @@
           <a:lstStyle/>
           <a:p>
             <a:r>
-              <a:rPr lang="ko-KR" altLang="en-US" sz="1200" b="0" i="0" kern="1200">
+              <a:rPr lang="ko-KR" altLang="en-US" sz="1200" b="0" i="0" kern="1200" dirty="0">
                 <a:solidFill>
                   <a:schemeClr val="tx1"/>
                 </a:solidFill>
@@ -2316,7 +2316,7 @@
               <a:t>트리를 학습할 때에는 각 </a:t>
             </a:r>
             <a:r>
-              <a:rPr lang="en-US" altLang="ko-KR" sz="1200" b="0" i="0" kern="1200">
+              <a:rPr lang="en-US" altLang="ko-KR" sz="1200" b="0" i="0" kern="1200" dirty="0">
                 <a:solidFill>
                   <a:schemeClr val="tx1"/>
                 </a:solidFill>
@@ -2328,7 +2328,7 @@
               <a:t>Split </a:t>
             </a:r>
             <a:r>
-              <a:rPr lang="ko-KR" altLang="en-US" sz="1200" b="0" i="0" kern="1200">
+              <a:rPr lang="ko-KR" altLang="en-US" sz="1200" b="0" i="0" kern="1200" dirty="0">
                 <a:solidFill>
                   <a:schemeClr val="tx1"/>
                 </a:solidFill>
@@ -2340,7 +2340,7 @@
               <a:t>지점에 해당하는 </a:t>
             </a:r>
             <a:r>
-              <a:rPr lang="en-US" altLang="ko-KR" sz="1200" b="0" i="0" kern="1200">
+              <a:rPr lang="en-US" altLang="ko-KR" sz="1200" b="0" i="0" kern="1200" dirty="0">
                 <a:solidFill>
                   <a:schemeClr val="tx1"/>
                 </a:solidFill>
@@ -2352,7 +2352,7 @@
               <a:t>Information gain</a:t>
             </a:r>
             <a:r>
-              <a:rPr lang="ko-KR" altLang="en-US" sz="1200" b="0" i="0" kern="1200">
+              <a:rPr lang="ko-KR" altLang="en-US" sz="1200" b="0" i="0" kern="1200" dirty="0">
                 <a:solidFill>
                   <a:schemeClr val="tx1"/>
                 </a:solidFill>
@@ -2364,7 +2364,7 @@
               <a:t>을 모두 계산하고 가장 큰 </a:t>
             </a:r>
             <a:r>
-              <a:rPr lang="en-US" altLang="ko-KR" sz="1200" b="0" i="0" kern="1200">
+              <a:rPr lang="en-US" altLang="ko-KR" sz="1200" b="0" i="0" kern="1200" dirty="0">
                 <a:solidFill>
                   <a:schemeClr val="tx1"/>
                 </a:solidFill>
@@ -2376,7 +2376,7 @@
               <a:t>Information gain</a:t>
             </a:r>
             <a:r>
-              <a:rPr lang="ko-KR" altLang="en-US" sz="1200" b="0" i="0" kern="1200">
+              <a:rPr lang="ko-KR" altLang="en-US" sz="1200" b="0" i="0" kern="1200" dirty="0">
                 <a:solidFill>
                   <a:schemeClr val="tx1"/>
                 </a:solidFill>
@@ -2388,7 +2388,7 @@
               <a:t>을 갖는 지점을 </a:t>
             </a:r>
             <a:r>
-              <a:rPr lang="en-US" altLang="ko-KR" sz="1200" b="0" i="0" kern="1200">
+              <a:rPr lang="en-US" altLang="ko-KR" sz="1200" b="0" i="0" kern="1200" dirty="0">
                 <a:solidFill>
                   <a:schemeClr val="tx1"/>
                 </a:solidFill>
@@ -2400,7 +2400,7 @@
               <a:t>Split</a:t>
             </a:r>
             <a:r>
-              <a:rPr lang="ko-KR" altLang="en-US" sz="1200" b="0" i="0" kern="1200">
+              <a:rPr lang="ko-KR" altLang="en-US" sz="1200" b="0" i="0" kern="1200" dirty="0">
                 <a:solidFill>
                   <a:schemeClr val="tx1"/>
                 </a:solidFill>
@@ -2412,7 +2412,7 @@
               <a:t>하게 되는데</a:t>
             </a:r>
             <a:r>
-              <a:rPr lang="en-US" altLang="ko-KR" sz="1200" b="0" i="0" kern="1200">
+              <a:rPr lang="en-US" altLang="ko-KR" sz="1200" b="0" i="0" kern="1200" dirty="0">
                 <a:solidFill>
                   <a:schemeClr val="tx1"/>
                 </a:solidFill>
@@ -10287,365 +10287,401 @@
           <a:lstStyle/>
           <a:p>
             <a:r>
-              <a:rPr lang="en-US" altLang="ko-KR" sz="2000" b="1"/>
+              <a:rPr lang="en-US" altLang="ko-KR" sz="2000" b="1" dirty="0"/>
               <a:t>Gradient-based One-Side Sampling (GOSS)</a:t>
             </a:r>
           </a:p>
           <a:p>
             <a:r>
-              <a:rPr lang="en-US" altLang="ko-KR" sz="1600"/>
+              <a:rPr lang="en-US" altLang="ko-KR" sz="1600" dirty="0"/>
               <a:t>- </a:t>
             </a:r>
             <a:r>
-              <a:rPr lang="ko-KR" altLang="en-US" sz="1600"/>
+              <a:rPr lang="ko-KR" altLang="en-US" sz="1600" dirty="0"/>
               <a:t>더 큰 </a:t>
             </a:r>
             <a:r>
-              <a:rPr lang="en-US" altLang="ko-KR" sz="1600"/>
+              <a:rPr lang="en-US" altLang="ko-KR" sz="1600" dirty="0"/>
               <a:t>gradient (under-trained instances)</a:t>
             </a:r>
             <a:r>
-              <a:rPr lang="ko-KR" altLang="en-US" sz="1600"/>
+              <a:rPr lang="ko-KR" altLang="en-US" sz="1600" dirty="0"/>
               <a:t>가 있는 </a:t>
             </a:r>
             <a:r>
-              <a:rPr lang="en-US" altLang="ko-KR" sz="1600"/>
-              <a:t>instanc</a:t>
-            </a:r>
-            <a:r>
-              <a:rPr lang="ko-KR" altLang="en-US" sz="1600"/>
+              <a:rPr lang="en-US" altLang="ko-KR" sz="1600" dirty="0" smtClean="0"/>
+              <a:t>instance</a:t>
+            </a:r>
+            <a:r>
+              <a:rPr lang="ko-KR" altLang="en-US" sz="1600" dirty="0" smtClean="0"/>
               <a:t>는 </a:t>
             </a:r>
             <a:r>
-              <a:rPr lang="en-US" altLang="ko-KR" sz="1600"/>
+              <a:rPr lang="en-US" altLang="ko-KR" sz="1600" dirty="0"/>
               <a:t>information gain</a:t>
             </a:r>
             <a:r>
-              <a:rPr lang="ko-KR" altLang="en-US" sz="1600"/>
+              <a:rPr lang="ko-KR" altLang="en-US" sz="1600" dirty="0"/>
               <a:t>에 더 많이 기여함</a:t>
             </a:r>
-            <a:endParaRPr lang="en-US" altLang="ko-KR" sz="1600"/>
-          </a:p>
-          <a:p>
-            <a:r>
-              <a:rPr lang="en-US" altLang="ko-KR" sz="1600">
+            <a:endParaRPr lang="en-US" altLang="ko-KR" sz="1600" dirty="0"/>
+          </a:p>
+          <a:p>
+            <a:r>
+              <a:rPr lang="en-US" altLang="ko-KR" sz="1600" dirty="0">
                 <a:sym typeface="Wingdings" panose="05000000000000000000" pitchFamily="2" charset="2"/>
               </a:rPr>
               <a:t> </a:t>
             </a:r>
             <a:r>
-              <a:rPr lang="ko-KR" altLang="en-US" sz="1600">
+              <a:rPr lang="ko-KR" altLang="en-US" sz="1600" dirty="0">
                 <a:sym typeface="Wingdings" panose="05000000000000000000" pitchFamily="2" charset="2"/>
               </a:rPr>
               <a:t>데이터 </a:t>
             </a:r>
             <a:r>
-              <a:rPr lang="en-US" altLang="ko-KR" sz="1600">
+              <a:rPr lang="en-US" altLang="ko-KR" sz="1600" dirty="0" smtClean="0">
                 <a:sym typeface="Wingdings" panose="05000000000000000000" pitchFamily="2" charset="2"/>
               </a:rPr>
-              <a:t>instanc</a:t>
-            </a:r>
-            <a:r>
-              <a:rPr lang="ko-KR" altLang="en-US" sz="1600">
+              <a:t>instance</a:t>
+            </a:r>
+            <a:r>
+              <a:rPr lang="ko-KR" altLang="en-US" sz="1600" dirty="0" smtClean="0">
                 <a:sym typeface="Wingdings" panose="05000000000000000000" pitchFamily="2" charset="2"/>
               </a:rPr>
-              <a:t>를 샘플링할때</a:t>
-            </a:r>
-            <a:r>
-              <a:rPr lang="en-US" altLang="ko-KR" sz="1600">
+              <a:t>를 </a:t>
+            </a:r>
+            <a:r>
+              <a:rPr lang="ko-KR" altLang="en-US" sz="1600" dirty="0" err="1" smtClean="0">
                 <a:sym typeface="Wingdings" panose="05000000000000000000" pitchFamily="2" charset="2"/>
               </a:rPr>
+              <a:t>샘플링할</a:t>
+            </a:r>
+            <a:r>
+              <a:rPr lang="ko-KR" altLang="en-US" sz="1600" dirty="0" smtClean="0">
+                <a:sym typeface="Wingdings" panose="05000000000000000000" pitchFamily="2" charset="2"/>
+              </a:rPr>
+              <a:t> 때</a:t>
+            </a:r>
+            <a:r>
+              <a:rPr lang="en-US" altLang="ko-KR" sz="1600" dirty="0">
+                <a:sym typeface="Wingdings" panose="05000000000000000000" pitchFamily="2" charset="2"/>
+              </a:rPr>
               <a:t>, information gain </a:t>
             </a:r>
             <a:r>
-              <a:rPr lang="ko-KR" altLang="en-US" sz="1600">
+              <a:rPr lang="ko-KR" altLang="en-US" sz="1600" dirty="0">
                 <a:sym typeface="Wingdings" panose="05000000000000000000" pitchFamily="2" charset="2"/>
               </a:rPr>
               <a:t>추정의 </a:t>
             </a:r>
             <a:r>
-              <a:rPr lang="en-US" altLang="ko-KR" sz="1600">
+              <a:rPr lang="en-US" altLang="ko-KR" sz="1600" dirty="0">
                 <a:sym typeface="Wingdings" panose="05000000000000000000" pitchFamily="2" charset="2"/>
               </a:rPr>
               <a:t>accuracy</a:t>
             </a:r>
             <a:r>
-              <a:rPr lang="ko-KR" altLang="en-US" sz="1600">
+              <a:rPr lang="ko-KR" altLang="en-US" sz="1600" dirty="0">
                 <a:sym typeface="Wingdings" panose="05000000000000000000" pitchFamily="2" charset="2"/>
               </a:rPr>
               <a:t>를 유지하려면</a:t>
             </a:r>
             <a:r>
-              <a:rPr lang="en-US" altLang="ko-KR" sz="1600">
+              <a:rPr lang="en-US" altLang="ko-KR" sz="1600" dirty="0">
                 <a:sym typeface="Wingdings" panose="05000000000000000000" pitchFamily="2" charset="2"/>
               </a:rPr>
               <a:t>, </a:t>
             </a:r>
             <a:r>
-              <a:rPr lang="ko-KR" altLang="en-US" sz="1600">
+              <a:rPr lang="ko-KR" altLang="en-US" sz="1600" dirty="0">
                 <a:sym typeface="Wingdings" panose="05000000000000000000" pitchFamily="2" charset="2"/>
               </a:rPr>
               <a:t>해당 </a:t>
             </a:r>
             <a:r>
-              <a:rPr lang="en-US" altLang="ko-KR" sz="1600">
+              <a:rPr lang="en-US" altLang="ko-KR" sz="1600" dirty="0" smtClean="0">
                 <a:sym typeface="Wingdings" panose="05000000000000000000" pitchFamily="2" charset="2"/>
               </a:rPr>
-              <a:t>instanc</a:t>
-            </a:r>
-            <a:r>
-              <a:rPr lang="ko-KR" altLang="en-US" sz="1600">
+              <a:t>instance</a:t>
+            </a:r>
+            <a:r>
+              <a:rPr lang="ko-KR" altLang="en-US" sz="1600" dirty="0" smtClean="0">
                 <a:sym typeface="Wingdings" panose="05000000000000000000" pitchFamily="2" charset="2"/>
               </a:rPr>
               <a:t>의 </a:t>
             </a:r>
             <a:r>
-              <a:rPr lang="en-US" altLang="ko-KR" sz="1600">
+              <a:rPr lang="en-US" altLang="ko-KR" sz="1600" dirty="0" smtClean="0">
                 <a:sym typeface="Wingdings" panose="05000000000000000000" pitchFamily="2" charset="2"/>
               </a:rPr>
-              <a:t>gradien</a:t>
-            </a:r>
-            <a:r>
-              <a:rPr lang="ko-KR" altLang="en-US" sz="1600">
+              <a:t>gradient</a:t>
+            </a:r>
+            <a:r>
+              <a:rPr lang="ko-KR" altLang="en-US" sz="1600" dirty="0" smtClean="0">
                 <a:sym typeface="Wingdings" panose="05000000000000000000" pitchFamily="2" charset="2"/>
               </a:rPr>
-              <a:t>를 크게 유지해야하며</a:t>
-            </a:r>
-            <a:r>
-              <a:rPr lang="en-US" altLang="ko-KR" sz="1600">
+              <a:t>를 </a:t>
+            </a:r>
+            <a:r>
+              <a:rPr lang="ko-KR" altLang="en-US" sz="1600" dirty="0">
                 <a:sym typeface="Wingdings" panose="05000000000000000000" pitchFamily="2" charset="2"/>
               </a:rPr>
+              <a:t>크게 유지해야하며</a:t>
+            </a:r>
+            <a:r>
+              <a:rPr lang="en-US" altLang="ko-KR" sz="1600" dirty="0">
+                <a:sym typeface="Wingdings" panose="05000000000000000000" pitchFamily="2" charset="2"/>
+              </a:rPr>
               <a:t>, </a:t>
             </a:r>
             <a:r>
-              <a:rPr lang="ko-KR" altLang="en-US" sz="1600">
+              <a:rPr lang="ko-KR" altLang="en-US" sz="1600" dirty="0">
                 <a:sym typeface="Wingdings" panose="05000000000000000000" pitchFamily="2" charset="2"/>
               </a:rPr>
               <a:t>작은 </a:t>
             </a:r>
             <a:r>
-              <a:rPr lang="en-US" altLang="ko-KR" sz="1600">
+              <a:rPr lang="en-US" altLang="ko-KR" sz="1600" dirty="0" smtClean="0">
                 <a:sym typeface="Wingdings" panose="05000000000000000000" pitchFamily="2" charset="2"/>
               </a:rPr>
-              <a:t>gradien</a:t>
-            </a:r>
-            <a:r>
-              <a:rPr lang="ko-KR" altLang="en-US" sz="1600">
+              <a:t>gradient</a:t>
+            </a:r>
+            <a:r>
+              <a:rPr lang="ko-KR" altLang="en-US" sz="1600" dirty="0" smtClean="0">
                 <a:sym typeface="Wingdings" panose="05000000000000000000" pitchFamily="2" charset="2"/>
               </a:rPr>
-              <a:t>를 가진 </a:t>
-            </a:r>
-            <a:r>
-              <a:rPr lang="en-US" altLang="ko-KR" sz="1600">
+              <a:t>를 </a:t>
+            </a:r>
+            <a:r>
+              <a:rPr lang="ko-KR" altLang="en-US" sz="1600" dirty="0">
                 <a:sym typeface="Wingdings" panose="05000000000000000000" pitchFamily="2" charset="2"/>
               </a:rPr>
-              <a:t>instanc</a:t>
-            </a:r>
-            <a:r>
-              <a:rPr lang="ko-KR" altLang="en-US" sz="1600">
+              <a:t>가진 </a:t>
+            </a:r>
+            <a:r>
+              <a:rPr lang="en-US" altLang="ko-KR" sz="1600" dirty="0" smtClean="0">
                 <a:sym typeface="Wingdings" panose="05000000000000000000" pitchFamily="2" charset="2"/>
               </a:rPr>
-              <a:t>를 무작위로 </a:t>
-            </a:r>
-            <a:r>
-              <a:rPr lang="en-US" altLang="ko-KR" sz="1600">
+              <a:t>instance</a:t>
+            </a:r>
+            <a:r>
+              <a:rPr lang="ko-KR" altLang="en-US" sz="1600" dirty="0" smtClean="0">
                 <a:sym typeface="Wingdings" panose="05000000000000000000" pitchFamily="2" charset="2"/>
               </a:rPr>
+              <a:t>를 </a:t>
+            </a:r>
+            <a:r>
+              <a:rPr lang="ko-KR" altLang="en-US" sz="1600" dirty="0">
+                <a:sym typeface="Wingdings" panose="05000000000000000000" pitchFamily="2" charset="2"/>
+              </a:rPr>
+              <a:t>무작위로 </a:t>
+            </a:r>
+            <a:r>
+              <a:rPr lang="en-US" altLang="ko-KR" sz="1600" dirty="0">
+                <a:sym typeface="Wingdings" panose="05000000000000000000" pitchFamily="2" charset="2"/>
+              </a:rPr>
               <a:t>drop</a:t>
             </a:r>
             <a:r>
-              <a:rPr lang="ko-KR" altLang="en-US" sz="1600">
+              <a:rPr lang="ko-KR" altLang="en-US" sz="1600" dirty="0">
                 <a:sym typeface="Wingdings" panose="05000000000000000000" pitchFamily="2" charset="2"/>
               </a:rPr>
               <a:t>하면 된다</a:t>
             </a:r>
             <a:r>
-              <a:rPr lang="en-US" altLang="ko-KR" sz="1600">
+              <a:rPr lang="en-US" altLang="ko-KR" sz="1600" dirty="0">
                 <a:sym typeface="Wingdings" panose="05000000000000000000" pitchFamily="2" charset="2"/>
               </a:rPr>
               <a:t>.</a:t>
             </a:r>
           </a:p>
           <a:p>
-            <a:endParaRPr lang="en-US" altLang="ko-KR" sz="1600">
+            <a:endParaRPr lang="en-US" altLang="ko-KR" sz="1600" dirty="0">
               <a:sym typeface="Wingdings" panose="05000000000000000000" pitchFamily="2" charset="2"/>
             </a:endParaRPr>
           </a:p>
           <a:p>
             <a:r>
-              <a:rPr lang="ko-KR" altLang="en-US" sz="1600">
+              <a:rPr lang="ko-KR" altLang="en-US" sz="1600" dirty="0">
                 <a:sym typeface="Wingdings" panose="05000000000000000000" pitchFamily="2" charset="2"/>
               </a:rPr>
               <a:t>그러나 데이터 분포가 변경되어 </a:t>
             </a:r>
             <a:r>
-              <a:rPr lang="en-US" altLang="ko-KR" sz="1600">
+              <a:rPr lang="en-US" altLang="ko-KR" sz="1600" dirty="0" smtClean="0">
                 <a:sym typeface="Wingdings" panose="05000000000000000000" pitchFamily="2" charset="2"/>
               </a:rPr>
-              <a:t>accuray</a:t>
-            </a:r>
-            <a:r>
-              <a:rPr lang="ko-KR" altLang="en-US" sz="1600">
+              <a:t>accuracy</a:t>
+            </a:r>
+            <a:r>
+              <a:rPr lang="ko-KR" altLang="en-US" sz="1600" dirty="0">
                 <a:sym typeface="Wingdings" panose="05000000000000000000" pitchFamily="2" charset="2"/>
               </a:rPr>
               <a:t>를 손상시킬 수 있음</a:t>
             </a:r>
-            <a:endParaRPr lang="en-US" altLang="ko-KR" sz="1600">
+            <a:endParaRPr lang="en-US" altLang="ko-KR" sz="1600" dirty="0">
               <a:sym typeface="Wingdings" panose="05000000000000000000" pitchFamily="2" charset="2"/>
             </a:endParaRPr>
           </a:p>
           <a:p>
             <a:r>
-              <a:rPr lang="en-US" altLang="ko-KR" sz="1600">
+              <a:rPr lang="en-US" altLang="ko-KR" sz="1600" dirty="0">
                 <a:sym typeface="Wingdings" panose="05000000000000000000" pitchFamily="2" charset="2"/>
               </a:rPr>
               <a:t> GOSS </a:t>
             </a:r>
             <a:r>
-              <a:rPr lang="ko-KR" altLang="en-US" sz="1600">
+              <a:rPr lang="ko-KR" altLang="en-US" sz="1600" dirty="0">
                 <a:sym typeface="Wingdings" panose="05000000000000000000" pitchFamily="2" charset="2"/>
               </a:rPr>
               <a:t>는 모든 </a:t>
             </a:r>
             <a:r>
-              <a:rPr lang="en-US" altLang="ko-KR" sz="1600">
+              <a:rPr lang="en-US" altLang="ko-KR" sz="1600" dirty="0" smtClean="0">
                 <a:sym typeface="Wingdings" panose="05000000000000000000" pitchFamily="2" charset="2"/>
               </a:rPr>
-              <a:t>instanc</a:t>
-            </a:r>
-            <a:r>
-              <a:rPr lang="ko-KR" altLang="en-US" sz="1600">
+              <a:t>instance</a:t>
+            </a:r>
+            <a:r>
+              <a:rPr lang="ko-KR" altLang="en-US" sz="1600" dirty="0" smtClean="0">
                 <a:sym typeface="Wingdings" panose="05000000000000000000" pitchFamily="2" charset="2"/>
               </a:rPr>
-              <a:t>를 큰 </a:t>
-            </a:r>
-            <a:r>
-              <a:rPr lang="en-US" altLang="ko-KR" sz="1600">
+              <a:t>를 </a:t>
+            </a:r>
+            <a:r>
+              <a:rPr lang="ko-KR" altLang="en-US" sz="1600" dirty="0">
                 <a:sym typeface="Wingdings" panose="05000000000000000000" pitchFamily="2" charset="2"/>
               </a:rPr>
+              <a:t>큰 </a:t>
+            </a:r>
+            <a:r>
+              <a:rPr lang="en-US" altLang="ko-KR" sz="1600" dirty="0">
+                <a:sym typeface="Wingdings" panose="05000000000000000000" pitchFamily="2" charset="2"/>
+              </a:rPr>
               <a:t>gradient</a:t>
             </a:r>
             <a:r>
-              <a:rPr lang="ko-KR" altLang="en-US" sz="1600">
+              <a:rPr lang="ko-KR" altLang="en-US" sz="1600" dirty="0">
                 <a:sym typeface="Wingdings" panose="05000000000000000000" pitchFamily="2" charset="2"/>
               </a:rPr>
               <a:t>로 유지하고</a:t>
             </a:r>
             <a:r>
-              <a:rPr lang="en-US" altLang="ko-KR" sz="1600">
+              <a:rPr lang="en-US" altLang="ko-KR" sz="1600" dirty="0">
                 <a:sym typeface="Wingdings" panose="05000000000000000000" pitchFamily="2" charset="2"/>
               </a:rPr>
               <a:t>, </a:t>
             </a:r>
             <a:r>
-              <a:rPr lang="ko-KR" altLang="en-US" sz="1600">
+              <a:rPr lang="ko-KR" altLang="en-US" sz="1600" dirty="0">
                 <a:sym typeface="Wingdings" panose="05000000000000000000" pitchFamily="2" charset="2"/>
               </a:rPr>
               <a:t>작은 </a:t>
             </a:r>
             <a:r>
-              <a:rPr lang="en-US" altLang="ko-KR" sz="1600">
+              <a:rPr lang="en-US" altLang="ko-KR" sz="1600" dirty="0">
                 <a:sym typeface="Wingdings" panose="05000000000000000000" pitchFamily="2" charset="2"/>
               </a:rPr>
               <a:t>gradient</a:t>
             </a:r>
             <a:r>
-              <a:rPr lang="ko-KR" altLang="en-US" sz="1600">
+              <a:rPr lang="ko-KR" altLang="en-US" sz="1600" dirty="0">
                 <a:sym typeface="Wingdings" panose="05000000000000000000" pitchFamily="2" charset="2"/>
               </a:rPr>
               <a:t>가 있는 </a:t>
             </a:r>
             <a:r>
-              <a:rPr lang="en-US" altLang="ko-KR" sz="1600">
+              <a:rPr lang="en-US" altLang="ko-KR" sz="1600" dirty="0">
                 <a:sym typeface="Wingdings" panose="05000000000000000000" pitchFamily="2" charset="2"/>
               </a:rPr>
               <a:t>instance</a:t>
             </a:r>
             <a:r>
-              <a:rPr lang="ko-KR" altLang="en-US" sz="1600">
+              <a:rPr lang="ko-KR" altLang="en-US" sz="1600" dirty="0">
                 <a:sym typeface="Wingdings" panose="05000000000000000000" pitchFamily="2" charset="2"/>
               </a:rPr>
               <a:t>에 무작위 샘플링을 수행함</a:t>
             </a:r>
-            <a:endParaRPr lang="en-US" altLang="ko-KR" sz="1600">
+            <a:endParaRPr lang="en-US" altLang="ko-KR" sz="1600" dirty="0">
               <a:sym typeface="Wingdings" panose="05000000000000000000" pitchFamily="2" charset="2"/>
             </a:endParaRPr>
           </a:p>
           <a:p>
             <a:r>
-              <a:rPr lang="en-US" altLang="ko-KR" sz="1600">
+              <a:rPr lang="en-US" altLang="ko-KR" sz="1600" dirty="0">
                 <a:sym typeface="Wingdings" panose="05000000000000000000" pitchFamily="2" charset="2"/>
               </a:rPr>
               <a:t> </a:t>
             </a:r>
             <a:r>
-              <a:rPr lang="ko-KR" altLang="en-US" sz="1600">
+              <a:rPr lang="ko-KR" altLang="en-US" sz="1600" dirty="0">
                 <a:sym typeface="Wingdings" panose="05000000000000000000" pitchFamily="2" charset="2"/>
               </a:rPr>
               <a:t>데이터 분포에 대한 영향을 보상하기 위해</a:t>
             </a:r>
             <a:r>
-              <a:rPr lang="en-US" altLang="ko-KR" sz="1600">
+              <a:rPr lang="en-US" altLang="ko-KR" sz="1600" dirty="0">
                 <a:sym typeface="Wingdings" panose="05000000000000000000" pitchFamily="2" charset="2"/>
               </a:rPr>
               <a:t>, information gain</a:t>
             </a:r>
             <a:r>
-              <a:rPr lang="ko-KR" altLang="en-US" sz="1600">
+              <a:rPr lang="ko-KR" altLang="en-US" sz="1600" dirty="0">
                 <a:sym typeface="Wingdings" panose="05000000000000000000" pitchFamily="2" charset="2"/>
               </a:rPr>
               <a:t>을 계산할 때</a:t>
             </a:r>
             <a:r>
-              <a:rPr lang="en-US" altLang="ko-KR" sz="1600">
+              <a:rPr lang="en-US" altLang="ko-KR" sz="1600" dirty="0">
                 <a:sym typeface="Wingdings" panose="05000000000000000000" pitchFamily="2" charset="2"/>
               </a:rPr>
               <a:t>, </a:t>
             </a:r>
             <a:r>
-              <a:rPr lang="ko-KR" altLang="en-US" sz="1600">
+              <a:rPr lang="ko-KR" altLang="en-US" sz="1600" dirty="0">
                 <a:sym typeface="Wingdings" panose="05000000000000000000" pitchFamily="2" charset="2"/>
               </a:rPr>
               <a:t>작은 </a:t>
             </a:r>
             <a:r>
-              <a:rPr lang="en-US" altLang="ko-KR" sz="1600">
+              <a:rPr lang="en-US" altLang="ko-KR" sz="1600" dirty="0">
                 <a:sym typeface="Wingdings" panose="05000000000000000000" pitchFamily="2" charset="2"/>
               </a:rPr>
               <a:t>gradient</a:t>
             </a:r>
             <a:r>
-              <a:rPr lang="ko-KR" altLang="en-US" sz="1600">
+              <a:rPr lang="ko-KR" altLang="en-US" sz="1600" dirty="0">
                 <a:sym typeface="Wingdings" panose="05000000000000000000" pitchFamily="2" charset="2"/>
               </a:rPr>
               <a:t>를 갖는 </a:t>
             </a:r>
             <a:r>
-              <a:rPr lang="en-US" altLang="ko-KR" sz="1600">
+              <a:rPr lang="en-US" altLang="ko-KR" sz="1600" dirty="0">
                 <a:sym typeface="Wingdings" panose="05000000000000000000" pitchFamily="2" charset="2"/>
               </a:rPr>
               <a:t>instance</a:t>
             </a:r>
             <a:r>
-              <a:rPr lang="ko-KR" altLang="en-US" sz="1600">
+              <a:rPr lang="ko-KR" altLang="en-US" sz="1600" dirty="0">
                 <a:sym typeface="Wingdings" panose="05000000000000000000" pitchFamily="2" charset="2"/>
               </a:rPr>
               <a:t>에 </a:t>
             </a:r>
             <a:r>
-              <a:rPr lang="en-US" altLang="ko-KR" sz="1600">
+              <a:rPr lang="en-US" altLang="ko-KR" sz="1600" dirty="0">
                 <a:sym typeface="Wingdings" panose="05000000000000000000" pitchFamily="2" charset="2"/>
               </a:rPr>
               <a:t>constant multiplier</a:t>
             </a:r>
             <a:r>
-              <a:rPr lang="ko-KR" altLang="en-US" sz="1600">
+              <a:rPr lang="ko-KR" altLang="en-US" sz="1600" dirty="0">
                 <a:sym typeface="Wingdings" panose="05000000000000000000" pitchFamily="2" charset="2"/>
               </a:rPr>
               <a:t>를 도입함</a:t>
             </a:r>
             <a:r>
-              <a:rPr lang="en-US" altLang="ko-KR" sz="1600">
+              <a:rPr lang="en-US" altLang="ko-KR" sz="1600" dirty="0">
                 <a:sym typeface="Wingdings" panose="05000000000000000000" pitchFamily="2" charset="2"/>
               </a:rPr>
               <a:t>.</a:t>
@@ -11639,21 +11675,21 @@
               <a:lstStyle/>
               <a:p>
                 <a:r>
-                  <a:rPr lang="en-US" altLang="ko-KR" sz="2000" b="1"/>
+                  <a:rPr lang="en-US" altLang="ko-KR" sz="2000" b="1" dirty="0"/>
                   <a:t>Theoretical</a:t>
                 </a:r>
                 <a:r>
-                  <a:rPr lang="ko-KR" altLang="en-US" sz="2000" b="1"/>
+                  <a:rPr lang="ko-KR" altLang="en-US" sz="2000" b="1" dirty="0"/>
                   <a:t> </a:t>
                 </a:r>
                 <a:r>
-                  <a:rPr lang="en-US" altLang="ko-KR" sz="2000" b="1"/>
+                  <a:rPr lang="en-US" altLang="ko-KR" sz="2000" b="1" dirty="0"/>
                   <a:t>Analysis</a:t>
                 </a:r>
               </a:p>
               <a:p>
                 <a:r>
-                  <a:rPr lang="en-US" altLang="ko-KR" sz="1600"/>
+                  <a:rPr lang="en-US" altLang="ko-KR" sz="1600" dirty="0"/>
                   <a:t>- </a:t>
                 </a:r>
                 <a14:m>
@@ -11729,43 +11765,43 @@
                   </m:oMath>
                 </a14:m>
                 <a:r>
-                  <a:rPr lang="en-US" altLang="ko-KR" sz="1600">
+                  <a:rPr lang="en-US" altLang="ko-KR" sz="1600" dirty="0">
                     <a:sym typeface="Wingdings" panose="05000000000000000000" pitchFamily="2" charset="2"/>
                   </a:rPr>
                   <a:t> : </a:t>
                 </a:r>
                 <a:r>
-                  <a:rPr lang="ko-KR" altLang="en-US" sz="1600">
+                  <a:rPr lang="ko-KR" altLang="en-US" sz="1600" dirty="0">
                     <a:sym typeface="Wingdings" panose="05000000000000000000" pitchFamily="2" charset="2"/>
                   </a:rPr>
                   <a:t>모델 </a:t>
                 </a:r>
                 <a:r>
-                  <a:rPr lang="en-US" altLang="ko-KR" sz="1600">
+                  <a:rPr lang="en-US" altLang="ko-KR" sz="1600" dirty="0">
                     <a:sym typeface="Wingdings" panose="05000000000000000000" pitchFamily="2" charset="2"/>
                   </a:rPr>
                   <a:t>output</a:t>
                 </a:r>
                 <a:r>
-                  <a:rPr lang="ko-KR" altLang="en-US" sz="1600">
+                  <a:rPr lang="ko-KR" altLang="en-US" sz="1600" dirty="0">
                     <a:sym typeface="Wingdings" panose="05000000000000000000" pitchFamily="2" charset="2"/>
                   </a:rPr>
                   <a:t>에 대한 </a:t>
                 </a:r>
                 <a:r>
-                  <a:rPr lang="en-US" altLang="ko-KR" sz="1600">
+                  <a:rPr lang="en-US" altLang="ko-KR" sz="1600" dirty="0">
                     <a:sym typeface="Wingdings" panose="05000000000000000000" pitchFamily="2" charset="2"/>
                   </a:rPr>
                   <a:t>loss function</a:t>
                 </a:r>
                 <a:r>
-                  <a:rPr lang="ko-KR" altLang="en-US" sz="1600">
+                  <a:rPr lang="ko-KR" altLang="en-US" sz="1600" dirty="0">
                     <a:sym typeface="Wingdings" panose="05000000000000000000" pitchFamily="2" charset="2"/>
                   </a:rPr>
                   <a:t>의 음의 </a:t>
                 </a:r>
                 <a:r>
-                  <a:rPr lang="en-US" altLang="ko-KR" sz="1600">
+                  <a:rPr lang="en-US" altLang="ko-KR" sz="1600" dirty="0">
                     <a:sym typeface="Wingdings" panose="05000000000000000000" pitchFamily="2" charset="2"/>
                   </a:rPr>
                   <a:t>gradient</a:t>
@@ -11773,43 +11809,43 @@
               </a:p>
               <a:p>
                 <a:r>
-                  <a:rPr lang="en-US" altLang="ko-KR" sz="1600">
+                  <a:rPr lang="en-US" altLang="ko-KR" sz="1600" dirty="0">
                     <a:sym typeface="Wingdings" panose="05000000000000000000" pitchFamily="2" charset="2"/>
                   </a:rPr>
                   <a:t>- Decision</a:t>
                 </a:r>
                 <a:r>
-                  <a:rPr lang="ko-KR" altLang="en-US" sz="1600">
+                  <a:rPr lang="ko-KR" altLang="en-US" sz="1600" dirty="0">
                     <a:sym typeface="Wingdings" panose="05000000000000000000" pitchFamily="2" charset="2"/>
                   </a:rPr>
                   <a:t> </a:t>
                 </a:r>
                 <a:r>
-                  <a:rPr lang="en-US" altLang="ko-KR" sz="1600">
+                  <a:rPr lang="en-US" altLang="ko-KR" sz="1600" dirty="0">
                     <a:sym typeface="Wingdings" panose="05000000000000000000" pitchFamily="2" charset="2"/>
                   </a:rPr>
                   <a:t>tree</a:t>
                 </a:r>
                 <a:r>
-                  <a:rPr lang="ko-KR" altLang="en-US" sz="1600">
+                  <a:rPr lang="ko-KR" altLang="en-US" sz="1600" dirty="0">
                     <a:sym typeface="Wingdings" panose="05000000000000000000" pitchFamily="2" charset="2"/>
                   </a:rPr>
                   <a:t> 모델은 가장 큰 </a:t>
                 </a:r>
                 <a:r>
-                  <a:rPr lang="en-US" altLang="ko-KR" sz="1600">
+                  <a:rPr lang="en-US" altLang="ko-KR" sz="1600" dirty="0">
                     <a:sym typeface="Wingdings" panose="05000000000000000000" pitchFamily="2" charset="2"/>
                   </a:rPr>
                   <a:t>information gain</a:t>
                 </a:r>
                 <a:r>
-                  <a:rPr lang="ko-KR" altLang="en-US" sz="1600">
+                  <a:rPr lang="ko-KR" altLang="en-US" sz="1600" dirty="0">
                     <a:sym typeface="Wingdings" panose="05000000000000000000" pitchFamily="2" charset="2"/>
                   </a:rPr>
                   <a:t>으로 각 노드를 분할한다</a:t>
                 </a:r>
                 <a:r>
-                  <a:rPr lang="en-US" altLang="ko-KR" sz="1600">
+                  <a:rPr lang="en-US" altLang="ko-KR" sz="1600" dirty="0">
                     <a:sym typeface="Wingdings" panose="05000000000000000000" pitchFamily="2" charset="2"/>
                   </a:rPr>
                   <a:t>.</a:t>
@@ -11817,30 +11853,36 @@
               </a:p>
               <a:p>
                 <a:r>
-                  <a:rPr lang="en-US" altLang="ko-KR" sz="1600">
+                  <a:rPr lang="en-US" altLang="ko-KR" sz="1600" dirty="0">
                     <a:sym typeface="Wingdings" panose="05000000000000000000" pitchFamily="2" charset="2"/>
                   </a:rPr>
                   <a:t> GDBT</a:t>
                 </a:r>
                 <a:r>
-                  <a:rPr lang="ko-KR" altLang="en-US" sz="1600">
+                  <a:rPr lang="ko-KR" altLang="en-US" sz="1600" dirty="0">
                     <a:sym typeface="Wingdings" panose="05000000000000000000" pitchFamily="2" charset="2"/>
                   </a:rPr>
                   <a:t>의 경우 </a:t>
                 </a:r>
                 <a:r>
-                  <a:rPr lang="en-US" altLang="ko-KR" sz="1600">
+                  <a:rPr lang="en-US" altLang="ko-KR" sz="1600" dirty="0" smtClean="0">
                     <a:sym typeface="Wingdings" panose="05000000000000000000" pitchFamily="2" charset="2"/>
                   </a:rPr>
-                  <a:t>INFORMATION GAIN</a:t>
+                  <a:t>information gain</a:t>
                 </a:r>
                 <a:r>
-                  <a:rPr lang="ko-KR" altLang="en-US" sz="1600">
+                  <a:rPr lang="ko-KR" altLang="en-US" sz="1600" dirty="0" smtClean="0">
                     <a:sym typeface="Wingdings" panose="05000000000000000000" pitchFamily="2" charset="2"/>
                   </a:rPr>
-                  <a:t>은 일반적으로 분할 후 분산으로 측정됨</a:t>
+                  <a:t>은 </a:t>
                 </a:r>
-                <a:endParaRPr lang="en-US" altLang="ko-KR" sz="1600">
+                <a:r>
+                  <a:rPr lang="ko-KR" altLang="en-US" sz="1600" dirty="0">
+                    <a:sym typeface="Wingdings" panose="05000000000000000000" pitchFamily="2" charset="2"/>
+                  </a:rPr>
+                  <a:t>일반적으로 분할 후 분산으로 측정됨</a:t>
+                </a:r>
+                <a:endParaRPr lang="en-US" altLang="ko-KR" sz="1600" dirty="0">
                   <a:sym typeface="Wingdings" panose="05000000000000000000" pitchFamily="2" charset="2"/>
                 </a:endParaRPr>
               </a:p>
@@ -12325,8 +12367,8 @@
           </p:txBody>
         </p:sp>
       </p:grpSp>
-      <mc:AlternateContent xmlns:mc="http://schemas.openxmlformats.org/markup-compatibility/2006">
-        <mc:Choice xmlns:a14="http://schemas.microsoft.com/office/drawing/2010/main" Requires="a14">
+      <mc:AlternateContent xmlns:mc="http://schemas.openxmlformats.org/markup-compatibility/2006" xmlns:a14="http://schemas.microsoft.com/office/drawing/2010/main">
+        <mc:Choice Requires="a14">
           <p:sp>
             <p:nvSpPr>
               <p:cNvPr id="13" name="TextBox 12">
@@ -12710,7 +12752,7 @@
             </p:txBody>
           </p:sp>
         </mc:Choice>
-        <mc:Fallback>
+        <mc:Fallback xmlns="">
           <p:sp>
             <p:nvSpPr>
               <p:cNvPr id="13" name="TextBox 12">
@@ -13258,53 +13300,6 @@
           </a:p>
         </p:txBody>
       </p:sp>
-      <p:pic>
-        <p:nvPicPr>
-          <p:cNvPr id="2050" name="Picture 2" descr="https://user-images.githubusercontent.com/57218700/160905401-60235091-751e-431e-998d-8ab79061eff7.png">
-            <a:extLst>
-              <a:ext uri="{FF2B5EF4-FFF2-40B4-BE49-F238E27FC236}">
-                <a16:creationId xmlns:a16="http://schemas.microsoft.com/office/drawing/2014/main" id="{31E96E4F-CB59-4E68-92AD-4982BF2DC34B}"/>
-              </a:ext>
-            </a:extLst>
-          </p:cNvPr>
-          <p:cNvPicPr>
-            <a:picLocks noChangeAspect="1" noChangeArrowheads="1"/>
-          </p:cNvPicPr>
-          <p:nvPr/>
-        </p:nvPicPr>
-        <p:blipFill>
-          <a:blip r:embed="rId3">
-            <a:extLst>
-              <a:ext uri="{28A0092B-C50C-407E-A947-70E740481C1C}">
-                <a14:useLocalDpi xmlns:a14="http://schemas.microsoft.com/office/drawing/2010/main" val="0"/>
-              </a:ext>
-            </a:extLst>
-          </a:blip>
-          <a:srcRect/>
-          <a:stretch>
-            <a:fillRect/>
-          </a:stretch>
-        </p:blipFill>
-        <p:spPr bwMode="auto">
-          <a:xfrm>
-            <a:off x="856859" y="1670520"/>
-            <a:ext cx="9909753" cy="1929422"/>
-          </a:xfrm>
-          <a:prstGeom prst="rect">
-            <a:avLst/>
-          </a:prstGeom>
-          <a:noFill/>
-          <a:extLst>
-            <a:ext uri="{909E8E84-426E-40DD-AFC4-6F175D3DCCD1}">
-              <a14:hiddenFill xmlns:a14="http://schemas.microsoft.com/office/drawing/2010/main">
-                <a:solidFill>
-                  <a:srgbClr val="FFFFFF"/>
-                </a:solidFill>
-              </a14:hiddenFill>
-            </a:ext>
-          </a:extLst>
-        </p:spPr>
-      </p:pic>
       <p:sp>
         <p:nvSpPr>
           <p:cNvPr id="2" name="TextBox 1">
@@ -13500,6 +13495,47 @@
           </a:p>
         </p:txBody>
       </p:sp>
+      <p:pic>
+        <p:nvPicPr>
+          <p:cNvPr id="1026" name="Picture 2" descr="https://user-images.githubusercontent.com/57218700/160905827-6b2cbf7a-1a8a-4a2e-beb8-33bd417cf2fe.png"/>
+          <p:cNvPicPr>
+            <a:picLocks noChangeAspect="1" noChangeArrowheads="1"/>
+          </p:cNvPicPr>
+          <p:nvPr/>
+        </p:nvPicPr>
+        <p:blipFill>
+          <a:blip r:embed="rId3">
+            <a:extLst>
+              <a:ext uri="{28A0092B-C50C-407E-A947-70E740481C1C}">
+                <a14:useLocalDpi xmlns:a14="http://schemas.microsoft.com/office/drawing/2010/main" val="0"/>
+              </a:ext>
+            </a:extLst>
+          </a:blip>
+          <a:srcRect/>
+          <a:stretch>
+            <a:fillRect/>
+          </a:stretch>
+        </p:blipFill>
+        <p:spPr bwMode="auto">
+          <a:xfrm>
+            <a:off x="868755" y="1639696"/>
+            <a:ext cx="9391650" cy="2057401"/>
+          </a:xfrm>
+          <a:prstGeom prst="rect">
+            <a:avLst/>
+          </a:prstGeom>
+          <a:noFill/>
+          <a:extLst>
+            <a:ext uri="{909E8E84-426E-40DD-AFC4-6F175D3DCCD1}">
+              <a14:hiddenFill xmlns:a14="http://schemas.microsoft.com/office/drawing/2010/main">
+                <a:solidFill>
+                  <a:srgbClr val="FFFFFF"/>
+                </a:solidFill>
+              </a14:hiddenFill>
+            </a:ext>
+          </a:extLst>
+        </p:spPr>
+      </p:pic>
     </p:spTree>
     <p:extLst>
       <p:ext uri="{BB962C8B-B14F-4D97-AF65-F5344CB8AC3E}">
